--- a/OneOf.pptx
+++ b/OneOf.pptx
@@ -5,7 +5,7 @@
     <p:sldMasterId id="2147483648" r:id="rId1"/>
   </p:sldMasterIdLst>
   <p:notesMasterIdLst>
-    <p:notesMasterId r:id="rId16"/>
+    <p:notesMasterId r:id="rId17"/>
   </p:notesMasterIdLst>
   <p:sldIdLst>
     <p:sldId id="256" r:id="rId2"/>
@@ -21,7 +21,8 @@
     <p:sldId id="266" r:id="rId12"/>
     <p:sldId id="261" r:id="rId13"/>
     <p:sldId id="263" r:id="rId14"/>
-    <p:sldId id="268" r:id="rId15"/>
+    <p:sldId id="272" r:id="rId15"/>
+    <p:sldId id="268" r:id="rId16"/>
   </p:sldIdLst>
   <p:sldSz cx="12192000" cy="6858000"/>
   <p:notesSz cx="6858000" cy="9144000"/>
@@ -210,7 +211,7 @@
           <a:p>
             <a:fld id="{B886C0B6-172E-7241-A6C5-2494D8EB13E2}" type="datetimeFigureOut">
               <a:rPr lang="de-DE" smtClean="0"/>
-              <a:t>13.05.2025</a:t>
+              <a:t>14.05.25</a:t>
             </a:fld>
             <a:endParaRPr lang="de-DE"/>
           </a:p>
@@ -876,7 +877,7 @@
           <a:p>
             <a:fld id="{1CF6C793-7B5A-CC48-B778-7ED7ECF0401F}" type="datetimeFigureOut">
               <a:rPr lang="de-DE" smtClean="0"/>
-              <a:t>13.05.2025</a:t>
+              <a:t>14.05.25</a:t>
             </a:fld>
             <a:endParaRPr lang="de-DE"/>
           </a:p>
@@ -1074,7 +1075,7 @@
           <a:p>
             <a:fld id="{1CF6C793-7B5A-CC48-B778-7ED7ECF0401F}" type="datetimeFigureOut">
               <a:rPr lang="de-DE" smtClean="0"/>
-              <a:t>13.05.2025</a:t>
+              <a:t>14.05.25</a:t>
             </a:fld>
             <a:endParaRPr lang="de-DE"/>
           </a:p>
@@ -1282,7 +1283,7 @@
           <a:p>
             <a:fld id="{1CF6C793-7B5A-CC48-B778-7ED7ECF0401F}" type="datetimeFigureOut">
               <a:rPr lang="de-DE" smtClean="0"/>
-              <a:t>13.05.2025</a:t>
+              <a:t>14.05.25</a:t>
             </a:fld>
             <a:endParaRPr lang="de-DE"/>
           </a:p>
@@ -1480,7 +1481,7 @@
           <a:p>
             <a:fld id="{1CF6C793-7B5A-CC48-B778-7ED7ECF0401F}" type="datetimeFigureOut">
               <a:rPr lang="de-DE" smtClean="0"/>
-              <a:t>13.05.2025</a:t>
+              <a:t>14.05.25</a:t>
             </a:fld>
             <a:endParaRPr lang="de-DE"/>
           </a:p>
@@ -1755,7 +1756,7 @@
           <a:p>
             <a:fld id="{1CF6C793-7B5A-CC48-B778-7ED7ECF0401F}" type="datetimeFigureOut">
               <a:rPr lang="de-DE" smtClean="0"/>
-              <a:t>13.05.2025</a:t>
+              <a:t>14.05.25</a:t>
             </a:fld>
             <a:endParaRPr lang="de-DE"/>
           </a:p>
@@ -2020,7 +2021,7 @@
           <a:p>
             <a:fld id="{1CF6C793-7B5A-CC48-B778-7ED7ECF0401F}" type="datetimeFigureOut">
               <a:rPr lang="de-DE" smtClean="0"/>
-              <a:t>13.05.2025</a:t>
+              <a:t>14.05.25</a:t>
             </a:fld>
             <a:endParaRPr lang="de-DE"/>
           </a:p>
@@ -2432,7 +2433,7 @@
           <a:p>
             <a:fld id="{1CF6C793-7B5A-CC48-B778-7ED7ECF0401F}" type="datetimeFigureOut">
               <a:rPr lang="de-DE" smtClean="0"/>
-              <a:t>13.05.2025</a:t>
+              <a:t>14.05.25</a:t>
             </a:fld>
             <a:endParaRPr lang="de-DE"/>
           </a:p>
@@ -2573,7 +2574,7 @@
           <a:p>
             <a:fld id="{1CF6C793-7B5A-CC48-B778-7ED7ECF0401F}" type="datetimeFigureOut">
               <a:rPr lang="de-DE" smtClean="0"/>
-              <a:t>13.05.2025</a:t>
+              <a:t>14.05.25</a:t>
             </a:fld>
             <a:endParaRPr lang="de-DE"/>
           </a:p>
@@ -2686,7 +2687,7 @@
           <a:p>
             <a:fld id="{1CF6C793-7B5A-CC48-B778-7ED7ECF0401F}" type="datetimeFigureOut">
               <a:rPr lang="de-DE" smtClean="0"/>
-              <a:t>13.05.2025</a:t>
+              <a:t>14.05.25</a:t>
             </a:fld>
             <a:endParaRPr lang="de-DE"/>
           </a:p>
@@ -2997,7 +2998,7 @@
           <a:p>
             <a:fld id="{1CF6C793-7B5A-CC48-B778-7ED7ECF0401F}" type="datetimeFigureOut">
               <a:rPr lang="de-DE" smtClean="0"/>
-              <a:t>13.05.2025</a:t>
+              <a:t>14.05.25</a:t>
             </a:fld>
             <a:endParaRPr lang="de-DE"/>
           </a:p>
@@ -3285,7 +3286,7 @@
           <a:p>
             <a:fld id="{1CF6C793-7B5A-CC48-B778-7ED7ECF0401F}" type="datetimeFigureOut">
               <a:rPr lang="de-DE" smtClean="0"/>
-              <a:t>13.05.2025</a:t>
+              <a:t>14.05.25</a:t>
             </a:fld>
             <a:endParaRPr lang="de-DE"/>
           </a:p>
@@ -3526,7 +3527,7 @@
           <a:p>
             <a:fld id="{1CF6C793-7B5A-CC48-B778-7ED7ECF0401F}" type="datetimeFigureOut">
               <a:rPr lang="de-DE" smtClean="0"/>
-              <a:t>13.05.2025</a:t>
+              <a:t>14.05.25</a:t>
             </a:fld>
             <a:endParaRPr lang="de-DE"/>
           </a:p>
@@ -4410,8 +4411,8 @@
         </p:blipFill>
         <p:spPr>
           <a:xfrm>
-            <a:off x="6091982" y="637762"/>
-            <a:ext cx="4288806" cy="2927110"/>
+            <a:off x="5697850" y="37085"/>
+            <a:ext cx="5458407" cy="3725363"/>
           </a:xfrm>
           <a:prstGeom prst="rect">
             <a:avLst/>
@@ -4757,8 +4758,8 @@
         </p:blipFill>
         <p:spPr>
           <a:xfrm>
-            <a:off x="5287930" y="853980"/>
-            <a:ext cx="6272989" cy="2134787"/>
+            <a:off x="4972887" y="637763"/>
+            <a:ext cx="6908334" cy="2351004"/>
           </a:xfrm>
           <a:prstGeom prst="rect">
             <a:avLst/>
@@ -5582,20 +5583,38 @@
           <a:lstStyle/>
           <a:p>
             <a:r>
-              <a:rPr lang="de-DE" sz="2400"/>
-              <a:t>Wird bereits an einigen Stellen genutzt</a:t>
+              <a:rPr lang="de-DE" sz="2400" dirty="0"/>
+              <a:t>Wird bereits an verschiedene Stellen genutzt</a:t>
+            </a:r>
+          </a:p>
+          <a:p>
+            <a:r>
+              <a:rPr lang="de-DE" sz="2400" dirty="0"/>
+              <a:t>Projekte:</a:t>
             </a:r>
           </a:p>
           <a:p>
             <a:pPr lvl="1"/>
             <a:r>
-              <a:rPr lang="de-DE"/>
-              <a:t>Traperto.SCIM</a:t>
-            </a:r>
+              <a:rPr lang="de-DE" dirty="0"/>
+              <a:t>SCIM</a:t>
+            </a:r>
+          </a:p>
+          <a:p>
+            <a:pPr lvl="1"/>
+            <a:r>
+              <a:rPr lang="de-DE" dirty="0"/>
+              <a:t>Individual Training Management </a:t>
+            </a:r>
+            <a:r>
+              <a:rPr lang="de-DE" dirty="0" err="1"/>
+              <a:t>WebApi</a:t>
+            </a:r>
+            <a:endParaRPr lang="de-DE" dirty="0"/>
           </a:p>
           <a:p>
             <a:pPr lvl="2"/>
-            <a:endParaRPr lang="de-DE" sz="2400"/>
+            <a:endParaRPr lang="de-DE" sz="2400" dirty="0"/>
           </a:p>
         </p:txBody>
       </p:sp>
@@ -5613,6 +5632,256 @@
 </file>
 
 <file path=ppt/slides/slide14.xml><?xml version="1.0" encoding="utf-8"?>
+<p:sld xmlns:a="http://schemas.openxmlformats.org/drawingml/2006/main" xmlns:r="http://schemas.openxmlformats.org/officeDocument/2006/relationships" xmlns:p="http://schemas.openxmlformats.org/presentationml/2006/main">
+  <p:cSld>
+    <p:bg>
+      <p:bgPr>
+        <a:solidFill>
+          <a:schemeClr val="bg1"/>
+        </a:solidFill>
+        <a:effectLst/>
+      </p:bgPr>
+    </p:bg>
+    <p:spTree>
+      <p:nvGrpSpPr>
+        <p:cNvPr id="1" name="">
+          <a:extLst>
+            <a:ext uri="{FF2B5EF4-FFF2-40B4-BE49-F238E27FC236}">
+              <a16:creationId xmlns:a16="http://schemas.microsoft.com/office/drawing/2014/main" id="{A86EB5F7-DD8D-F507-05B2-32307A6BBBA9}"/>
+            </a:ext>
+          </a:extLst>
+        </p:cNvPr>
+        <p:cNvGrpSpPr/>
+        <p:nvPr/>
+      </p:nvGrpSpPr>
+      <p:grpSpPr>
+        <a:xfrm>
+          <a:off x="0" y="0"/>
+          <a:ext cx="0" cy="0"/>
+          <a:chOff x="0" y="0"/>
+          <a:chExt cx="0" cy="0"/>
+        </a:xfrm>
+      </p:grpSpPr>
+      <p:sp>
+        <p:nvSpPr>
+          <p:cNvPr id="8" name="Rectangle 7">
+            <a:extLst>
+              <a:ext uri="{FF2B5EF4-FFF2-40B4-BE49-F238E27FC236}">
+                <a16:creationId xmlns:a16="http://schemas.microsoft.com/office/drawing/2014/main" id="{0BC10397-EAD2-5D4C-918B-CACE66E969AB}"/>
+              </a:ext>
+              <a:ext uri="{C183D7F6-B498-43B3-948B-1728B52AA6E4}">
+                <adec:decorative xmlns:adec="http://schemas.microsoft.com/office/drawing/2017/decorative" val="1"/>
+              </a:ext>
+            </a:extLst>
+          </p:cNvPr>
+          <p:cNvSpPr>
+            <a:spLocks noGrp="1" noRot="1" noChangeAspect="1" noMove="1" noResize="1" noEditPoints="1" noAdjustHandles="1" noChangeArrowheads="1" noChangeShapeType="1" noTextEdit="1"/>
+          </p:cNvSpPr>
+          <p:nvPr>
+            <p:extLst>
+              <p:ext uri="{386F3935-93C4-4BCD-93E2-E3B085C9AB24}">
+                <p16:designElem xmlns:p16="http://schemas.microsoft.com/office/powerpoint/2015/main" val="1"/>
+              </p:ext>
+            </p:extLst>
+          </p:nvPr>
+        </p:nvSpPr>
+        <p:spPr>
+          <a:xfrm>
+            <a:off x="11" y="0"/>
+            <a:ext cx="4654286" cy="6858001"/>
+          </a:xfrm>
+          <a:prstGeom prst="rect">
+            <a:avLst/>
+          </a:prstGeom>
+          <a:solidFill>
+            <a:schemeClr val="tx1">
+              <a:lumMod val="85000"/>
+              <a:lumOff val="15000"/>
+            </a:schemeClr>
+          </a:solidFill>
+          <a:ln>
+            <a:noFill/>
+          </a:ln>
+        </p:spPr>
+        <p:style>
+          <a:lnRef idx="2">
+            <a:schemeClr val="accent1">
+              <a:shade val="50000"/>
+            </a:schemeClr>
+          </a:lnRef>
+          <a:fillRef idx="1">
+            <a:schemeClr val="accent1"/>
+          </a:fillRef>
+          <a:effectRef idx="0">
+            <a:schemeClr val="accent1"/>
+          </a:effectRef>
+          <a:fontRef idx="minor">
+            <a:schemeClr val="lt1"/>
+          </a:fontRef>
+        </p:style>
+        <p:txBody>
+          <a:bodyPr rtlCol="0" anchor="ctr"/>
+          <a:lstStyle/>
+          <a:p>
+            <a:pPr algn="ctr"/>
+            <a:endParaRPr lang="en-US"/>
+          </a:p>
+        </p:txBody>
+      </p:sp>
+      <p:sp>
+        <p:nvSpPr>
+          <p:cNvPr id="2" name="Titel 1">
+            <a:extLst>
+              <a:ext uri="{FF2B5EF4-FFF2-40B4-BE49-F238E27FC236}">
+                <a16:creationId xmlns:a16="http://schemas.microsoft.com/office/drawing/2014/main" id="{6BD9E7BC-39D1-FC14-F0E7-CA818B0337B2}"/>
+              </a:ext>
+            </a:extLst>
+          </p:cNvPr>
+          <p:cNvSpPr>
+            <a:spLocks noGrp="1"/>
+          </p:cNvSpPr>
+          <p:nvPr>
+            <p:ph type="ctrTitle"/>
+          </p:nvPr>
+        </p:nvSpPr>
+        <p:spPr>
+          <a:xfrm>
+            <a:off x="1155559" y="637762"/>
+            <a:ext cx="2899568" cy="5576770"/>
+          </a:xfrm>
+        </p:spPr>
+        <p:txBody>
+          <a:bodyPr anchor="t">
+            <a:normAutofit/>
+          </a:bodyPr>
+          <a:lstStyle/>
+          <a:p>
+            <a:pPr algn="l"/>
+            <a:r>
+              <a:rPr lang="de-DE" sz="4800" dirty="0">
+                <a:solidFill>
+                  <a:schemeClr val="bg1"/>
+                </a:solidFill>
+              </a:rPr>
+              <a:t>Gibt es offene Fragen?</a:t>
+            </a:r>
+          </a:p>
+        </p:txBody>
+      </p:sp>
+      <p:sp>
+        <p:nvSpPr>
+          <p:cNvPr id="10" name="Rectangle 9">
+            <a:extLst>
+              <a:ext uri="{FF2B5EF4-FFF2-40B4-BE49-F238E27FC236}">
+                <a16:creationId xmlns:a16="http://schemas.microsoft.com/office/drawing/2014/main" id="{FA0833A8-78A0-48AE-1ECA-717946398D56}"/>
+              </a:ext>
+              <a:ext uri="{C183D7F6-B498-43B3-948B-1728B52AA6E4}">
+                <adec:decorative xmlns:adec="http://schemas.microsoft.com/office/drawing/2017/decorative" val="1"/>
+              </a:ext>
+            </a:extLst>
+          </p:cNvPr>
+          <p:cNvSpPr>
+            <a:spLocks noGrp="1" noRot="1" noChangeAspect="1" noMove="1" noResize="1" noEditPoints="1" noAdjustHandles="1" noChangeArrowheads="1" noChangeShapeType="1" noTextEdit="1"/>
+          </p:cNvSpPr>
+          <p:nvPr>
+            <p:extLst>
+              <p:ext uri="{386F3935-93C4-4BCD-93E2-E3B085C9AB24}">
+                <p16:designElem xmlns:p16="http://schemas.microsoft.com/office/powerpoint/2015/main" val="1"/>
+              </p:ext>
+            </p:extLst>
+          </p:nvPr>
+        </p:nvSpPr>
+        <p:spPr>
+          <a:xfrm>
+            <a:off x="4652535" y="0"/>
+            <a:ext cx="7539455" cy="6858001"/>
+          </a:xfrm>
+          <a:prstGeom prst="rect">
+            <a:avLst/>
+          </a:prstGeom>
+          <a:solidFill>
+            <a:schemeClr val="bg1">
+              <a:lumMod val="95000"/>
+            </a:schemeClr>
+          </a:solidFill>
+          <a:ln>
+            <a:noFill/>
+          </a:ln>
+        </p:spPr>
+        <p:style>
+          <a:lnRef idx="2">
+            <a:schemeClr val="accent1">
+              <a:shade val="50000"/>
+            </a:schemeClr>
+          </a:lnRef>
+          <a:fillRef idx="1">
+            <a:schemeClr val="accent1"/>
+          </a:fillRef>
+          <a:effectRef idx="0">
+            <a:schemeClr val="accent1"/>
+          </a:effectRef>
+          <a:fontRef idx="minor">
+            <a:schemeClr val="lt1"/>
+          </a:fontRef>
+        </p:style>
+        <p:txBody>
+          <a:bodyPr rtlCol="0" anchor="ctr"/>
+          <a:lstStyle/>
+          <a:p>
+            <a:pPr algn="ctr"/>
+            <a:endParaRPr lang="en-US"/>
+          </a:p>
+        </p:txBody>
+      </p:sp>
+      <p:sp>
+        <p:nvSpPr>
+          <p:cNvPr id="3" name="Untertitel 2">
+            <a:extLst>
+              <a:ext uri="{FF2B5EF4-FFF2-40B4-BE49-F238E27FC236}">
+                <a16:creationId xmlns:a16="http://schemas.microsoft.com/office/drawing/2014/main" id="{47913681-28CC-1DFA-7A8E-AB018EF33AD4}"/>
+              </a:ext>
+            </a:extLst>
+          </p:cNvPr>
+          <p:cNvSpPr>
+            <a:spLocks noGrp="1"/>
+          </p:cNvSpPr>
+          <p:nvPr>
+            <p:ph type="subTitle" idx="1"/>
+          </p:nvPr>
+        </p:nvSpPr>
+        <p:spPr>
+          <a:xfrm>
+            <a:off x="5444775" y="637762"/>
+            <a:ext cx="5600580" cy="5576770"/>
+          </a:xfrm>
+        </p:spPr>
+        <p:txBody>
+          <a:bodyPr anchor="ctr">
+            <a:normAutofit/>
+          </a:bodyPr>
+          <a:lstStyle/>
+          <a:p>
+            <a:r>
+              <a:rPr lang="de-DE" sz="4000" dirty="0"/>
+              <a:t>Vielen Dank für eure Aufmerksamkeit.</a:t>
+            </a:r>
+          </a:p>
+        </p:txBody>
+      </p:sp>
+    </p:spTree>
+    <p:extLst>
+      <p:ext uri="{BB962C8B-B14F-4D97-AF65-F5344CB8AC3E}">
+        <p14:creationId xmlns:p14="http://schemas.microsoft.com/office/powerpoint/2010/main" val="2913887014"/>
+      </p:ext>
+    </p:extLst>
+  </p:cSld>
+  <p:clrMapOvr>
+    <a:masterClrMapping/>
+  </p:clrMapOvr>
+</p:sld>
+</file>
+
+<file path=ppt/slides/slide15.xml><?xml version="1.0" encoding="utf-8"?>
 <p:sld xmlns:a="http://schemas.openxmlformats.org/drawingml/2006/main" xmlns:r="http://schemas.openxmlformats.org/officeDocument/2006/relationships" xmlns:p="http://schemas.openxmlformats.org/presentationml/2006/main">
   <p:cSld>
     <p:bg>
@@ -6961,8 +7230,8 @@
         </p:blipFill>
         <p:spPr>
           <a:xfrm>
-            <a:off x="6138098" y="637762"/>
-            <a:ext cx="4196573" cy="2927110"/>
+            <a:off x="5825195" y="211309"/>
+            <a:ext cx="5209954" cy="3633944"/>
           </a:xfrm>
           <a:prstGeom prst="rect">
             <a:avLst/>
@@ -7344,8 +7613,8 @@
         </p:blipFill>
         <p:spPr>
           <a:xfrm>
-            <a:off x="5439965" y="195474"/>
-            <a:ext cx="5592818" cy="1957486"/>
+            <a:off x="5439964" y="195473"/>
+            <a:ext cx="5798649" cy="2029527"/>
           </a:xfrm>
           <a:prstGeom prst="rect">
             <a:avLst/>
@@ -7487,8 +7756,8 @@
         </p:blipFill>
         <p:spPr>
           <a:xfrm>
-            <a:off x="5443876" y="2152960"/>
-            <a:ext cx="5584995" cy="2904197"/>
+            <a:off x="5439964" y="2107240"/>
+            <a:ext cx="5798649" cy="3015297"/>
           </a:xfrm>
           <a:prstGeom prst="rect">
             <a:avLst/>
@@ -7725,8 +7994,8 @@
         </p:blipFill>
         <p:spPr>
           <a:xfrm>
-            <a:off x="5439976" y="640193"/>
-            <a:ext cx="5592818" cy="2922247"/>
+            <a:off x="5522528" y="485446"/>
+            <a:ext cx="5809051" cy="3035229"/>
           </a:xfrm>
           <a:prstGeom prst="rect">
             <a:avLst/>
@@ -8067,8 +8336,8 @@
         </p:blipFill>
         <p:spPr>
           <a:xfrm>
-            <a:off x="5634509" y="637762"/>
-            <a:ext cx="5203751" cy="2927110"/>
+            <a:off x="5472892" y="341345"/>
+            <a:ext cx="5908324" cy="3323432"/>
           </a:xfrm>
           <a:prstGeom prst="rect">
             <a:avLst/>
@@ -8403,8 +8672,8 @@
         </p:blipFill>
         <p:spPr>
           <a:xfrm>
-            <a:off x="5657434" y="637762"/>
-            <a:ext cx="5157902" cy="2927110"/>
+            <a:off x="5549935" y="303707"/>
+            <a:ext cx="5754238" cy="3265531"/>
           </a:xfrm>
           <a:prstGeom prst="rect">
             <a:avLst/>
@@ -8748,8 +9017,8 @@
         </p:blipFill>
         <p:spPr>
           <a:xfrm>
-            <a:off x="5439976" y="1122574"/>
-            <a:ext cx="5592818" cy="1957486"/>
+            <a:off x="5033980" y="683483"/>
+            <a:ext cx="6790661" cy="2376731"/>
           </a:xfrm>
           <a:prstGeom prst="rect">
             <a:avLst/>
